--- a/ppt 16-9/1547.彩虹下的约定.pptx
+++ b/ppt 16-9/1547.彩虹下的约定.pptx
@@ -5,7 +5,7 @@
     <p:sldMasterId id="2147483648" r:id="rId1"/>
   </p:sldMasterIdLst>
   <p:sldIdLst>
-    <p:sldId id="3396" r:id="rId2"/>
+    <p:sldId id="3398" r:id="rId2"/>
   </p:sldIdLst>
   <p:sldSz cx="12192000" cy="6858000"/>
   <p:notesSz cx="6858000" cy="9144000"/>
@@ -129,7 +129,7 @@
           <p:cNvPr id="2" name="标题 1">
             <a:extLst>
               <a:ext uri="{FF2B5EF4-FFF2-40B4-BE49-F238E27FC236}">
-                <a16:creationId xmlns:a16="http://schemas.microsoft.com/office/drawing/2014/main" id="{D2688A21-C42D-B3C8-D1C4-641028001254}"/>
+                <a16:creationId xmlns:a16="http://schemas.microsoft.com/office/drawing/2014/main" id="{0D959168-11D6-0BBB-2715-18757AEAE93B}"/>
               </a:ext>
             </a:extLst>
           </p:cNvPr>
@@ -166,7 +166,7 @@
           <p:cNvPr id="3" name="副标题 2">
             <a:extLst>
               <a:ext uri="{FF2B5EF4-FFF2-40B4-BE49-F238E27FC236}">
-                <a16:creationId xmlns:a16="http://schemas.microsoft.com/office/drawing/2014/main" id="{821910E5-79BD-CDBE-3C00-3B3ACC63EDA3}"/>
+                <a16:creationId xmlns:a16="http://schemas.microsoft.com/office/drawing/2014/main" id="{DC4BC498-DD26-1692-1DF1-CD56B2F158EF}"/>
               </a:ext>
             </a:extLst>
           </p:cNvPr>
@@ -236,7 +236,7 @@
           <p:cNvPr id="4" name="日期占位符 3">
             <a:extLst>
               <a:ext uri="{FF2B5EF4-FFF2-40B4-BE49-F238E27FC236}">
-                <a16:creationId xmlns:a16="http://schemas.microsoft.com/office/drawing/2014/main" id="{4E45A423-3C9E-0973-2B1C-242236EC2685}"/>
+                <a16:creationId xmlns:a16="http://schemas.microsoft.com/office/drawing/2014/main" id="{EE702F1D-A175-E8C6-388F-204492C5B57E}"/>
               </a:ext>
             </a:extLst>
           </p:cNvPr>
@@ -252,7 +252,7 @@
           <a:bodyPr/>
           <a:lstStyle/>
           <a:p>
-            <a:fld id="{CF2EC721-94AD-4342-B040-4A78456AD217}" type="datetimeFigureOut">
+            <a:fld id="{196ADBBC-D5BD-4452-9E2E-84D776495B07}" type="datetimeFigureOut">
               <a:rPr lang="zh-CN" altLang="en-US" smtClean="0"/>
               <a:t>2024/3/10</a:t>
             </a:fld>
@@ -265,7 +265,7 @@
           <p:cNvPr id="5" name="页脚占位符 4">
             <a:extLst>
               <a:ext uri="{FF2B5EF4-FFF2-40B4-BE49-F238E27FC236}">
-                <a16:creationId xmlns:a16="http://schemas.microsoft.com/office/drawing/2014/main" id="{977F737A-3996-065E-4154-07D53267D7ED}"/>
+                <a16:creationId xmlns:a16="http://schemas.microsoft.com/office/drawing/2014/main" id="{D6604426-07E1-ABFE-6B3C-CE0FDBFBE3CB}"/>
               </a:ext>
             </a:extLst>
           </p:cNvPr>
@@ -290,7 +290,7 @@
           <p:cNvPr id="6" name="灯片编号占位符 5">
             <a:extLst>
               <a:ext uri="{FF2B5EF4-FFF2-40B4-BE49-F238E27FC236}">
-                <a16:creationId xmlns:a16="http://schemas.microsoft.com/office/drawing/2014/main" id="{B14F945D-B905-1DC9-B070-BCCAED67A8CE}"/>
+                <a16:creationId xmlns:a16="http://schemas.microsoft.com/office/drawing/2014/main" id="{08553639-6702-76EF-BD0C-2605C1F40162}"/>
               </a:ext>
             </a:extLst>
           </p:cNvPr>
@@ -306,7 +306,7 @@
           <a:bodyPr/>
           <a:lstStyle/>
           <a:p>
-            <a:fld id="{B6B4BDE1-C6D3-44BB-981F-E2D84F66E515}" type="slidenum">
+            <a:fld id="{72F73B65-9F17-4508-B831-2822A7C087D4}" type="slidenum">
               <a:rPr lang="zh-CN" altLang="en-US" smtClean="0"/>
               <a:t>‹#›</a:t>
             </a:fld>
@@ -317,7 +317,7 @@
     </p:spTree>
     <p:extLst>
       <p:ext uri="{BB962C8B-B14F-4D97-AF65-F5344CB8AC3E}">
-        <p14:creationId xmlns:p14="http://schemas.microsoft.com/office/powerpoint/2010/main" val="4168268841"/>
+        <p14:creationId xmlns:p14="http://schemas.microsoft.com/office/powerpoint/2010/main" val="3566469798"/>
       </p:ext>
     </p:extLst>
   </p:cSld>
@@ -349,7 +349,7 @@
           <p:cNvPr id="2" name="标题 1">
             <a:extLst>
               <a:ext uri="{FF2B5EF4-FFF2-40B4-BE49-F238E27FC236}">
-                <a16:creationId xmlns:a16="http://schemas.microsoft.com/office/drawing/2014/main" id="{C69D6E5A-C2D4-9257-74C2-7D97DD41C48D}"/>
+                <a16:creationId xmlns:a16="http://schemas.microsoft.com/office/drawing/2014/main" id="{32D6DA06-F30C-C1DB-5190-87C413045A03}"/>
               </a:ext>
             </a:extLst>
           </p:cNvPr>
@@ -377,7 +377,7 @@
           <p:cNvPr id="3" name="竖排文字占位符 2">
             <a:extLst>
               <a:ext uri="{FF2B5EF4-FFF2-40B4-BE49-F238E27FC236}">
-                <a16:creationId xmlns:a16="http://schemas.microsoft.com/office/drawing/2014/main" id="{5DD706EA-4708-EAE3-4519-6F2A52872AA1}"/>
+                <a16:creationId xmlns:a16="http://schemas.microsoft.com/office/drawing/2014/main" id="{28B50C37-B9D2-9110-9C0B-487D1CDF8376}"/>
               </a:ext>
             </a:extLst>
           </p:cNvPr>
@@ -434,7 +434,7 @@
           <p:cNvPr id="4" name="日期占位符 3">
             <a:extLst>
               <a:ext uri="{FF2B5EF4-FFF2-40B4-BE49-F238E27FC236}">
-                <a16:creationId xmlns:a16="http://schemas.microsoft.com/office/drawing/2014/main" id="{C9E336F2-12EF-8271-2CBD-A6E044D5BFF4}"/>
+                <a16:creationId xmlns:a16="http://schemas.microsoft.com/office/drawing/2014/main" id="{4851F859-649F-7E73-CD58-85BCF465B6C9}"/>
               </a:ext>
             </a:extLst>
           </p:cNvPr>
@@ -450,7 +450,7 @@
           <a:bodyPr/>
           <a:lstStyle/>
           <a:p>
-            <a:fld id="{CF2EC721-94AD-4342-B040-4A78456AD217}" type="datetimeFigureOut">
+            <a:fld id="{196ADBBC-D5BD-4452-9E2E-84D776495B07}" type="datetimeFigureOut">
               <a:rPr lang="zh-CN" altLang="en-US" smtClean="0"/>
               <a:t>2024/3/10</a:t>
             </a:fld>
@@ -463,7 +463,7 @@
           <p:cNvPr id="5" name="页脚占位符 4">
             <a:extLst>
               <a:ext uri="{FF2B5EF4-FFF2-40B4-BE49-F238E27FC236}">
-                <a16:creationId xmlns:a16="http://schemas.microsoft.com/office/drawing/2014/main" id="{4974804F-4326-25BE-2FB4-46906A3E59E3}"/>
+                <a16:creationId xmlns:a16="http://schemas.microsoft.com/office/drawing/2014/main" id="{50CF69DD-3306-F2CD-8C79-2C9A040F2BB3}"/>
               </a:ext>
             </a:extLst>
           </p:cNvPr>
@@ -488,7 +488,7 @@
           <p:cNvPr id="6" name="灯片编号占位符 5">
             <a:extLst>
               <a:ext uri="{FF2B5EF4-FFF2-40B4-BE49-F238E27FC236}">
-                <a16:creationId xmlns:a16="http://schemas.microsoft.com/office/drawing/2014/main" id="{C511A8A4-F30F-6FA5-A3C0-F58C267BC59A}"/>
+                <a16:creationId xmlns:a16="http://schemas.microsoft.com/office/drawing/2014/main" id="{F41B8C57-A63F-42C2-6F2B-CE7897828CBA}"/>
               </a:ext>
             </a:extLst>
           </p:cNvPr>
@@ -504,7 +504,7 @@
           <a:bodyPr/>
           <a:lstStyle/>
           <a:p>
-            <a:fld id="{B6B4BDE1-C6D3-44BB-981F-E2D84F66E515}" type="slidenum">
+            <a:fld id="{72F73B65-9F17-4508-B831-2822A7C087D4}" type="slidenum">
               <a:rPr lang="zh-CN" altLang="en-US" smtClean="0"/>
               <a:t>‹#›</a:t>
             </a:fld>
@@ -515,7 +515,7 @@
     </p:spTree>
     <p:extLst>
       <p:ext uri="{BB962C8B-B14F-4D97-AF65-F5344CB8AC3E}">
-        <p14:creationId xmlns:p14="http://schemas.microsoft.com/office/powerpoint/2010/main" val="2538067809"/>
+        <p14:creationId xmlns:p14="http://schemas.microsoft.com/office/powerpoint/2010/main" val="4050597710"/>
       </p:ext>
     </p:extLst>
   </p:cSld>
@@ -547,7 +547,7 @@
           <p:cNvPr id="2" name="竖排标题 1">
             <a:extLst>
               <a:ext uri="{FF2B5EF4-FFF2-40B4-BE49-F238E27FC236}">
-                <a16:creationId xmlns:a16="http://schemas.microsoft.com/office/drawing/2014/main" id="{98EDFF9B-591A-FB3B-F162-FB4A9D4DD374}"/>
+                <a16:creationId xmlns:a16="http://schemas.microsoft.com/office/drawing/2014/main" id="{90889228-B39A-59B4-1FB0-342658F209BB}"/>
               </a:ext>
             </a:extLst>
           </p:cNvPr>
@@ -580,7 +580,7 @@
           <p:cNvPr id="3" name="竖排文字占位符 2">
             <a:extLst>
               <a:ext uri="{FF2B5EF4-FFF2-40B4-BE49-F238E27FC236}">
-                <a16:creationId xmlns:a16="http://schemas.microsoft.com/office/drawing/2014/main" id="{B990C9A4-28D4-849B-EEDA-A5064BF3A9A6}"/>
+                <a16:creationId xmlns:a16="http://schemas.microsoft.com/office/drawing/2014/main" id="{B40E92DE-6ADB-0542-69A8-8D95543BBBF5}"/>
               </a:ext>
             </a:extLst>
           </p:cNvPr>
@@ -642,7 +642,7 @@
           <p:cNvPr id="4" name="日期占位符 3">
             <a:extLst>
               <a:ext uri="{FF2B5EF4-FFF2-40B4-BE49-F238E27FC236}">
-                <a16:creationId xmlns:a16="http://schemas.microsoft.com/office/drawing/2014/main" id="{AE9A1B59-FC51-00A3-971D-812614051697}"/>
+                <a16:creationId xmlns:a16="http://schemas.microsoft.com/office/drawing/2014/main" id="{D5055E31-2F46-412C-2FF2-93B51A5271FD}"/>
               </a:ext>
             </a:extLst>
           </p:cNvPr>
@@ -658,7 +658,7 @@
           <a:bodyPr/>
           <a:lstStyle/>
           <a:p>
-            <a:fld id="{CF2EC721-94AD-4342-B040-4A78456AD217}" type="datetimeFigureOut">
+            <a:fld id="{196ADBBC-D5BD-4452-9E2E-84D776495B07}" type="datetimeFigureOut">
               <a:rPr lang="zh-CN" altLang="en-US" smtClean="0"/>
               <a:t>2024/3/10</a:t>
             </a:fld>
@@ -671,7 +671,7 @@
           <p:cNvPr id="5" name="页脚占位符 4">
             <a:extLst>
               <a:ext uri="{FF2B5EF4-FFF2-40B4-BE49-F238E27FC236}">
-                <a16:creationId xmlns:a16="http://schemas.microsoft.com/office/drawing/2014/main" id="{63AFE536-B46A-11DD-4A1C-5A8811F3F96F}"/>
+                <a16:creationId xmlns:a16="http://schemas.microsoft.com/office/drawing/2014/main" id="{3BB96C44-4EDC-0E6A-31D9-E400A01ACF94}"/>
               </a:ext>
             </a:extLst>
           </p:cNvPr>
@@ -696,7 +696,7 @@
           <p:cNvPr id="6" name="灯片编号占位符 5">
             <a:extLst>
               <a:ext uri="{FF2B5EF4-FFF2-40B4-BE49-F238E27FC236}">
-                <a16:creationId xmlns:a16="http://schemas.microsoft.com/office/drawing/2014/main" id="{5FDC9191-F101-1AB9-B484-A6D63AA65BE4}"/>
+                <a16:creationId xmlns:a16="http://schemas.microsoft.com/office/drawing/2014/main" id="{4956A8E9-112B-7C03-601E-536DC149B9EB}"/>
               </a:ext>
             </a:extLst>
           </p:cNvPr>
@@ -712,7 +712,7 @@
           <a:bodyPr/>
           <a:lstStyle/>
           <a:p>
-            <a:fld id="{B6B4BDE1-C6D3-44BB-981F-E2D84F66E515}" type="slidenum">
+            <a:fld id="{72F73B65-9F17-4508-B831-2822A7C087D4}" type="slidenum">
               <a:rPr lang="zh-CN" altLang="en-US" smtClean="0"/>
               <a:t>‹#›</a:t>
             </a:fld>
@@ -723,7 +723,7 @@
     </p:spTree>
     <p:extLst>
       <p:ext uri="{BB962C8B-B14F-4D97-AF65-F5344CB8AC3E}">
-        <p14:creationId xmlns:p14="http://schemas.microsoft.com/office/powerpoint/2010/main" val="772638909"/>
+        <p14:creationId xmlns:p14="http://schemas.microsoft.com/office/powerpoint/2010/main" val="3459493955"/>
       </p:ext>
     </p:extLst>
   </p:cSld>
@@ -755,7 +755,7 @@
           <p:cNvPr id="2" name="标题 1">
             <a:extLst>
               <a:ext uri="{FF2B5EF4-FFF2-40B4-BE49-F238E27FC236}">
-                <a16:creationId xmlns:a16="http://schemas.microsoft.com/office/drawing/2014/main" id="{D80B078C-38BB-7ECE-0B95-51C0519041D0}"/>
+                <a16:creationId xmlns:a16="http://schemas.microsoft.com/office/drawing/2014/main" id="{66A87FFD-6D35-BD7B-799A-6577075B93CD}"/>
               </a:ext>
             </a:extLst>
           </p:cNvPr>
@@ -783,7 +783,7 @@
           <p:cNvPr id="3" name="内容占位符 2">
             <a:extLst>
               <a:ext uri="{FF2B5EF4-FFF2-40B4-BE49-F238E27FC236}">
-                <a16:creationId xmlns:a16="http://schemas.microsoft.com/office/drawing/2014/main" id="{EB446B61-A1DC-A760-3ACF-0A6CF0AF6D9C}"/>
+                <a16:creationId xmlns:a16="http://schemas.microsoft.com/office/drawing/2014/main" id="{A5DB457B-9279-B2A1-B267-A8330A79FAD2}"/>
               </a:ext>
             </a:extLst>
           </p:cNvPr>
@@ -840,7 +840,7 @@
           <p:cNvPr id="4" name="日期占位符 3">
             <a:extLst>
               <a:ext uri="{FF2B5EF4-FFF2-40B4-BE49-F238E27FC236}">
-                <a16:creationId xmlns:a16="http://schemas.microsoft.com/office/drawing/2014/main" id="{3EDE1E2D-AA25-CF3E-8661-7EAE405088CD}"/>
+                <a16:creationId xmlns:a16="http://schemas.microsoft.com/office/drawing/2014/main" id="{0BB51956-4E2C-03CC-73FD-507C2A01979D}"/>
               </a:ext>
             </a:extLst>
           </p:cNvPr>
@@ -856,7 +856,7 @@
           <a:bodyPr/>
           <a:lstStyle/>
           <a:p>
-            <a:fld id="{CF2EC721-94AD-4342-B040-4A78456AD217}" type="datetimeFigureOut">
+            <a:fld id="{196ADBBC-D5BD-4452-9E2E-84D776495B07}" type="datetimeFigureOut">
               <a:rPr lang="zh-CN" altLang="en-US" smtClean="0"/>
               <a:t>2024/3/10</a:t>
             </a:fld>
@@ -869,7 +869,7 @@
           <p:cNvPr id="5" name="页脚占位符 4">
             <a:extLst>
               <a:ext uri="{FF2B5EF4-FFF2-40B4-BE49-F238E27FC236}">
-                <a16:creationId xmlns:a16="http://schemas.microsoft.com/office/drawing/2014/main" id="{8026E91D-0448-2E2D-F7AD-0938F20EB8CE}"/>
+                <a16:creationId xmlns:a16="http://schemas.microsoft.com/office/drawing/2014/main" id="{9FC6DC4B-B8E8-C010-E50B-FFCD41E01D39}"/>
               </a:ext>
             </a:extLst>
           </p:cNvPr>
@@ -894,7 +894,7 @@
           <p:cNvPr id="6" name="灯片编号占位符 5">
             <a:extLst>
               <a:ext uri="{FF2B5EF4-FFF2-40B4-BE49-F238E27FC236}">
-                <a16:creationId xmlns:a16="http://schemas.microsoft.com/office/drawing/2014/main" id="{393AE8CD-4E37-2F68-3ED1-884EE9806D98}"/>
+                <a16:creationId xmlns:a16="http://schemas.microsoft.com/office/drawing/2014/main" id="{9BE202C4-9E2A-CF75-F14D-741282AE155D}"/>
               </a:ext>
             </a:extLst>
           </p:cNvPr>
@@ -910,7 +910,7 @@
           <a:bodyPr/>
           <a:lstStyle/>
           <a:p>
-            <a:fld id="{B6B4BDE1-C6D3-44BB-981F-E2D84F66E515}" type="slidenum">
+            <a:fld id="{72F73B65-9F17-4508-B831-2822A7C087D4}" type="slidenum">
               <a:rPr lang="zh-CN" altLang="en-US" smtClean="0"/>
               <a:t>‹#›</a:t>
             </a:fld>
@@ -921,7 +921,7 @@
     </p:spTree>
     <p:extLst>
       <p:ext uri="{BB962C8B-B14F-4D97-AF65-F5344CB8AC3E}">
-        <p14:creationId xmlns:p14="http://schemas.microsoft.com/office/powerpoint/2010/main" val="1946059302"/>
+        <p14:creationId xmlns:p14="http://schemas.microsoft.com/office/powerpoint/2010/main" val="2815419363"/>
       </p:ext>
     </p:extLst>
   </p:cSld>
@@ -953,7 +953,7 @@
           <p:cNvPr id="2" name="标题 1">
             <a:extLst>
               <a:ext uri="{FF2B5EF4-FFF2-40B4-BE49-F238E27FC236}">
-                <a16:creationId xmlns:a16="http://schemas.microsoft.com/office/drawing/2014/main" id="{37AE4894-516B-D4EA-BBFD-F33A09E27376}"/>
+                <a16:creationId xmlns:a16="http://schemas.microsoft.com/office/drawing/2014/main" id="{1ADE6F2A-6F25-46FB-125E-B19445C74324}"/>
               </a:ext>
             </a:extLst>
           </p:cNvPr>
@@ -990,7 +990,7 @@
           <p:cNvPr id="3" name="文本占位符 2">
             <a:extLst>
               <a:ext uri="{FF2B5EF4-FFF2-40B4-BE49-F238E27FC236}">
-                <a16:creationId xmlns:a16="http://schemas.microsoft.com/office/drawing/2014/main" id="{0F79F5E1-4AA9-09A0-9D39-D7EC1DEDF823}"/>
+                <a16:creationId xmlns:a16="http://schemas.microsoft.com/office/drawing/2014/main" id="{BA61BB51-55DE-721D-2C21-A0BACCEE8442}"/>
               </a:ext>
             </a:extLst>
           </p:cNvPr>
@@ -1115,7 +1115,7 @@
           <p:cNvPr id="4" name="日期占位符 3">
             <a:extLst>
               <a:ext uri="{FF2B5EF4-FFF2-40B4-BE49-F238E27FC236}">
-                <a16:creationId xmlns:a16="http://schemas.microsoft.com/office/drawing/2014/main" id="{BD0159B2-FCBE-BC59-0266-804124195B48}"/>
+                <a16:creationId xmlns:a16="http://schemas.microsoft.com/office/drawing/2014/main" id="{B209E00E-D8BD-67C8-4BF4-8F2F0F23DDDA}"/>
               </a:ext>
             </a:extLst>
           </p:cNvPr>
@@ -1131,7 +1131,7 @@
           <a:bodyPr/>
           <a:lstStyle/>
           <a:p>
-            <a:fld id="{CF2EC721-94AD-4342-B040-4A78456AD217}" type="datetimeFigureOut">
+            <a:fld id="{196ADBBC-D5BD-4452-9E2E-84D776495B07}" type="datetimeFigureOut">
               <a:rPr lang="zh-CN" altLang="en-US" smtClean="0"/>
               <a:t>2024/3/10</a:t>
             </a:fld>
@@ -1144,7 +1144,7 @@
           <p:cNvPr id="5" name="页脚占位符 4">
             <a:extLst>
               <a:ext uri="{FF2B5EF4-FFF2-40B4-BE49-F238E27FC236}">
-                <a16:creationId xmlns:a16="http://schemas.microsoft.com/office/drawing/2014/main" id="{9C403B7B-713F-868E-5AF4-FCF15CE80306}"/>
+                <a16:creationId xmlns:a16="http://schemas.microsoft.com/office/drawing/2014/main" id="{3F701FC5-9973-3C4E-D00E-116E0F9CA100}"/>
               </a:ext>
             </a:extLst>
           </p:cNvPr>
@@ -1169,7 +1169,7 @@
           <p:cNvPr id="6" name="灯片编号占位符 5">
             <a:extLst>
               <a:ext uri="{FF2B5EF4-FFF2-40B4-BE49-F238E27FC236}">
-                <a16:creationId xmlns:a16="http://schemas.microsoft.com/office/drawing/2014/main" id="{AA4E8004-AE1D-F18E-3CC7-7DC5BE136F52}"/>
+                <a16:creationId xmlns:a16="http://schemas.microsoft.com/office/drawing/2014/main" id="{1C91A181-2FA7-2CBB-657E-9E9CC4A39C34}"/>
               </a:ext>
             </a:extLst>
           </p:cNvPr>
@@ -1185,7 +1185,7 @@
           <a:bodyPr/>
           <a:lstStyle/>
           <a:p>
-            <a:fld id="{B6B4BDE1-C6D3-44BB-981F-E2D84F66E515}" type="slidenum">
+            <a:fld id="{72F73B65-9F17-4508-B831-2822A7C087D4}" type="slidenum">
               <a:rPr lang="zh-CN" altLang="en-US" smtClean="0"/>
               <a:t>‹#›</a:t>
             </a:fld>
@@ -1196,7 +1196,7 @@
     </p:spTree>
     <p:extLst>
       <p:ext uri="{BB962C8B-B14F-4D97-AF65-F5344CB8AC3E}">
-        <p14:creationId xmlns:p14="http://schemas.microsoft.com/office/powerpoint/2010/main" val="2955605932"/>
+        <p14:creationId xmlns:p14="http://schemas.microsoft.com/office/powerpoint/2010/main" val="446832320"/>
       </p:ext>
     </p:extLst>
   </p:cSld>
@@ -1228,7 +1228,7 @@
           <p:cNvPr id="2" name="标题 1">
             <a:extLst>
               <a:ext uri="{FF2B5EF4-FFF2-40B4-BE49-F238E27FC236}">
-                <a16:creationId xmlns:a16="http://schemas.microsoft.com/office/drawing/2014/main" id="{369F96D5-AFAB-CCDA-D7BE-C934EE02ED3D}"/>
+                <a16:creationId xmlns:a16="http://schemas.microsoft.com/office/drawing/2014/main" id="{FA139F6B-35D1-3491-2F0C-28DD4D827066}"/>
               </a:ext>
             </a:extLst>
           </p:cNvPr>
@@ -1256,7 +1256,7 @@
           <p:cNvPr id="3" name="内容占位符 2">
             <a:extLst>
               <a:ext uri="{FF2B5EF4-FFF2-40B4-BE49-F238E27FC236}">
-                <a16:creationId xmlns:a16="http://schemas.microsoft.com/office/drawing/2014/main" id="{108AD873-BCB6-C32C-F0C6-6E0E9CCBA5CC}"/>
+                <a16:creationId xmlns:a16="http://schemas.microsoft.com/office/drawing/2014/main" id="{47F910FF-4420-FEE9-1FEB-557D6114F731}"/>
               </a:ext>
             </a:extLst>
           </p:cNvPr>
@@ -1318,7 +1318,7 @@
           <p:cNvPr id="4" name="内容占位符 3">
             <a:extLst>
               <a:ext uri="{FF2B5EF4-FFF2-40B4-BE49-F238E27FC236}">
-                <a16:creationId xmlns:a16="http://schemas.microsoft.com/office/drawing/2014/main" id="{CC240E7A-F3A7-7252-319E-86D8EC0EA4C1}"/>
+                <a16:creationId xmlns:a16="http://schemas.microsoft.com/office/drawing/2014/main" id="{606E2208-FF0E-2A86-5D4E-3FD9AF317BA1}"/>
               </a:ext>
             </a:extLst>
           </p:cNvPr>
@@ -1380,7 +1380,7 @@
           <p:cNvPr id="5" name="日期占位符 4">
             <a:extLst>
               <a:ext uri="{FF2B5EF4-FFF2-40B4-BE49-F238E27FC236}">
-                <a16:creationId xmlns:a16="http://schemas.microsoft.com/office/drawing/2014/main" id="{9F9C3E72-E7DF-C0D5-E8C5-A9237BC57A4E}"/>
+                <a16:creationId xmlns:a16="http://schemas.microsoft.com/office/drawing/2014/main" id="{CE4970B5-68B4-233A-84DC-362A77339969}"/>
               </a:ext>
             </a:extLst>
           </p:cNvPr>
@@ -1396,7 +1396,7 @@
           <a:bodyPr/>
           <a:lstStyle/>
           <a:p>
-            <a:fld id="{CF2EC721-94AD-4342-B040-4A78456AD217}" type="datetimeFigureOut">
+            <a:fld id="{196ADBBC-D5BD-4452-9E2E-84D776495B07}" type="datetimeFigureOut">
               <a:rPr lang="zh-CN" altLang="en-US" smtClean="0"/>
               <a:t>2024/3/10</a:t>
             </a:fld>
@@ -1409,7 +1409,7 @@
           <p:cNvPr id="6" name="页脚占位符 5">
             <a:extLst>
               <a:ext uri="{FF2B5EF4-FFF2-40B4-BE49-F238E27FC236}">
-                <a16:creationId xmlns:a16="http://schemas.microsoft.com/office/drawing/2014/main" id="{FC7BB637-ADEE-9C17-9D3E-5D5CB046D7C5}"/>
+                <a16:creationId xmlns:a16="http://schemas.microsoft.com/office/drawing/2014/main" id="{9EC09DF6-E139-0073-E5F4-05670EF87B24}"/>
               </a:ext>
             </a:extLst>
           </p:cNvPr>
@@ -1434,7 +1434,7 @@
           <p:cNvPr id="7" name="灯片编号占位符 6">
             <a:extLst>
               <a:ext uri="{FF2B5EF4-FFF2-40B4-BE49-F238E27FC236}">
-                <a16:creationId xmlns:a16="http://schemas.microsoft.com/office/drawing/2014/main" id="{AEC0BC7F-D21D-991D-E902-EA9F73310648}"/>
+                <a16:creationId xmlns:a16="http://schemas.microsoft.com/office/drawing/2014/main" id="{34BEC3F3-4DF3-4E1B-FA65-596C73FFB465}"/>
               </a:ext>
             </a:extLst>
           </p:cNvPr>
@@ -1450,7 +1450,7 @@
           <a:bodyPr/>
           <a:lstStyle/>
           <a:p>
-            <a:fld id="{B6B4BDE1-C6D3-44BB-981F-E2D84F66E515}" type="slidenum">
+            <a:fld id="{72F73B65-9F17-4508-B831-2822A7C087D4}" type="slidenum">
               <a:rPr lang="zh-CN" altLang="en-US" smtClean="0"/>
               <a:t>‹#›</a:t>
             </a:fld>
@@ -1461,7 +1461,7 @@
     </p:spTree>
     <p:extLst>
       <p:ext uri="{BB962C8B-B14F-4D97-AF65-F5344CB8AC3E}">
-        <p14:creationId xmlns:p14="http://schemas.microsoft.com/office/powerpoint/2010/main" val="7995364"/>
+        <p14:creationId xmlns:p14="http://schemas.microsoft.com/office/powerpoint/2010/main" val="3450845832"/>
       </p:ext>
     </p:extLst>
   </p:cSld>
@@ -1493,7 +1493,7 @@
           <p:cNvPr id="2" name="标题 1">
             <a:extLst>
               <a:ext uri="{FF2B5EF4-FFF2-40B4-BE49-F238E27FC236}">
-                <a16:creationId xmlns:a16="http://schemas.microsoft.com/office/drawing/2014/main" id="{1BA866E4-799A-77B6-ED6F-5BDE0E698EB0}"/>
+                <a16:creationId xmlns:a16="http://schemas.microsoft.com/office/drawing/2014/main" id="{3C6C0EB4-3B51-DADE-8AFE-8ED78A7A1495}"/>
               </a:ext>
             </a:extLst>
           </p:cNvPr>
@@ -1526,7 +1526,7 @@
           <p:cNvPr id="3" name="文本占位符 2">
             <a:extLst>
               <a:ext uri="{FF2B5EF4-FFF2-40B4-BE49-F238E27FC236}">
-                <a16:creationId xmlns:a16="http://schemas.microsoft.com/office/drawing/2014/main" id="{9D11AC3E-D0EF-D30F-2141-C894CA8D138E}"/>
+                <a16:creationId xmlns:a16="http://schemas.microsoft.com/office/drawing/2014/main" id="{07C69497-8D79-62D7-FE59-6B14C2BA531B}"/>
               </a:ext>
             </a:extLst>
           </p:cNvPr>
@@ -1597,7 +1597,7 @@
           <p:cNvPr id="4" name="内容占位符 3">
             <a:extLst>
               <a:ext uri="{FF2B5EF4-FFF2-40B4-BE49-F238E27FC236}">
-                <a16:creationId xmlns:a16="http://schemas.microsoft.com/office/drawing/2014/main" id="{B41A6EF4-C1EA-38A4-61DC-11523F02C30B}"/>
+                <a16:creationId xmlns:a16="http://schemas.microsoft.com/office/drawing/2014/main" id="{1CC60F9D-948E-47BE-8C57-778870DAD129}"/>
               </a:ext>
             </a:extLst>
           </p:cNvPr>
@@ -1659,7 +1659,7 @@
           <p:cNvPr id="5" name="文本占位符 4">
             <a:extLst>
               <a:ext uri="{FF2B5EF4-FFF2-40B4-BE49-F238E27FC236}">
-                <a16:creationId xmlns:a16="http://schemas.microsoft.com/office/drawing/2014/main" id="{971D8580-0E80-BE76-443B-23CF05617D4B}"/>
+                <a16:creationId xmlns:a16="http://schemas.microsoft.com/office/drawing/2014/main" id="{010D314B-CA9A-4019-497C-2C9E26FD0767}"/>
               </a:ext>
             </a:extLst>
           </p:cNvPr>
@@ -1730,7 +1730,7 @@
           <p:cNvPr id="6" name="内容占位符 5">
             <a:extLst>
               <a:ext uri="{FF2B5EF4-FFF2-40B4-BE49-F238E27FC236}">
-                <a16:creationId xmlns:a16="http://schemas.microsoft.com/office/drawing/2014/main" id="{DDCB8F54-88BE-FEFA-D57F-1DD1DD759771}"/>
+                <a16:creationId xmlns:a16="http://schemas.microsoft.com/office/drawing/2014/main" id="{FA837F39-C559-1753-CF88-701D837C37C2}"/>
               </a:ext>
             </a:extLst>
           </p:cNvPr>
@@ -1792,7 +1792,7 @@
           <p:cNvPr id="7" name="日期占位符 6">
             <a:extLst>
               <a:ext uri="{FF2B5EF4-FFF2-40B4-BE49-F238E27FC236}">
-                <a16:creationId xmlns:a16="http://schemas.microsoft.com/office/drawing/2014/main" id="{54DEB2BF-6B88-F4E5-0C84-66B02111F8D2}"/>
+                <a16:creationId xmlns:a16="http://schemas.microsoft.com/office/drawing/2014/main" id="{647B9F7C-89A6-76C1-7B47-AC659BDA4E56}"/>
               </a:ext>
             </a:extLst>
           </p:cNvPr>
@@ -1808,7 +1808,7 @@
           <a:bodyPr/>
           <a:lstStyle/>
           <a:p>
-            <a:fld id="{CF2EC721-94AD-4342-B040-4A78456AD217}" type="datetimeFigureOut">
+            <a:fld id="{196ADBBC-D5BD-4452-9E2E-84D776495B07}" type="datetimeFigureOut">
               <a:rPr lang="zh-CN" altLang="en-US" smtClean="0"/>
               <a:t>2024/3/10</a:t>
             </a:fld>
@@ -1821,7 +1821,7 @@
           <p:cNvPr id="8" name="页脚占位符 7">
             <a:extLst>
               <a:ext uri="{FF2B5EF4-FFF2-40B4-BE49-F238E27FC236}">
-                <a16:creationId xmlns:a16="http://schemas.microsoft.com/office/drawing/2014/main" id="{83BC022E-C0C2-8F4E-3CD5-8DD11E643F40}"/>
+                <a16:creationId xmlns:a16="http://schemas.microsoft.com/office/drawing/2014/main" id="{0F6F6F6D-BD16-4C06-A1B1-1FA8753091E8}"/>
               </a:ext>
             </a:extLst>
           </p:cNvPr>
@@ -1846,7 +1846,7 @@
           <p:cNvPr id="9" name="灯片编号占位符 8">
             <a:extLst>
               <a:ext uri="{FF2B5EF4-FFF2-40B4-BE49-F238E27FC236}">
-                <a16:creationId xmlns:a16="http://schemas.microsoft.com/office/drawing/2014/main" id="{6E44F608-44D1-2B75-0AEF-47C6ED3158CA}"/>
+                <a16:creationId xmlns:a16="http://schemas.microsoft.com/office/drawing/2014/main" id="{1C9B7BA4-9FBD-A3EE-5C0A-C84237F3F4B3}"/>
               </a:ext>
             </a:extLst>
           </p:cNvPr>
@@ -1862,7 +1862,7 @@
           <a:bodyPr/>
           <a:lstStyle/>
           <a:p>
-            <a:fld id="{B6B4BDE1-C6D3-44BB-981F-E2D84F66E515}" type="slidenum">
+            <a:fld id="{72F73B65-9F17-4508-B831-2822A7C087D4}" type="slidenum">
               <a:rPr lang="zh-CN" altLang="en-US" smtClean="0"/>
               <a:t>‹#›</a:t>
             </a:fld>
@@ -1873,7 +1873,7 @@
     </p:spTree>
     <p:extLst>
       <p:ext uri="{BB962C8B-B14F-4D97-AF65-F5344CB8AC3E}">
-        <p14:creationId xmlns:p14="http://schemas.microsoft.com/office/powerpoint/2010/main" val="3440598911"/>
+        <p14:creationId xmlns:p14="http://schemas.microsoft.com/office/powerpoint/2010/main" val="4148297794"/>
       </p:ext>
     </p:extLst>
   </p:cSld>
@@ -1905,7 +1905,7 @@
           <p:cNvPr id="2" name="标题 1">
             <a:extLst>
               <a:ext uri="{FF2B5EF4-FFF2-40B4-BE49-F238E27FC236}">
-                <a16:creationId xmlns:a16="http://schemas.microsoft.com/office/drawing/2014/main" id="{A47C4871-C1BC-54C2-C3C8-FEB26F963BDD}"/>
+                <a16:creationId xmlns:a16="http://schemas.microsoft.com/office/drawing/2014/main" id="{3040946F-D273-278C-270A-B5DDB41CA921}"/>
               </a:ext>
             </a:extLst>
           </p:cNvPr>
@@ -1933,7 +1933,7 @@
           <p:cNvPr id="3" name="日期占位符 2">
             <a:extLst>
               <a:ext uri="{FF2B5EF4-FFF2-40B4-BE49-F238E27FC236}">
-                <a16:creationId xmlns:a16="http://schemas.microsoft.com/office/drawing/2014/main" id="{8127C58E-85D4-9995-FF06-0B6F3C708207}"/>
+                <a16:creationId xmlns:a16="http://schemas.microsoft.com/office/drawing/2014/main" id="{B5678181-F2F4-AC6C-3460-E3BE86155136}"/>
               </a:ext>
             </a:extLst>
           </p:cNvPr>
@@ -1949,7 +1949,7 @@
           <a:bodyPr/>
           <a:lstStyle/>
           <a:p>
-            <a:fld id="{CF2EC721-94AD-4342-B040-4A78456AD217}" type="datetimeFigureOut">
+            <a:fld id="{196ADBBC-D5BD-4452-9E2E-84D776495B07}" type="datetimeFigureOut">
               <a:rPr lang="zh-CN" altLang="en-US" smtClean="0"/>
               <a:t>2024/3/10</a:t>
             </a:fld>
@@ -1962,7 +1962,7 @@
           <p:cNvPr id="4" name="页脚占位符 3">
             <a:extLst>
               <a:ext uri="{FF2B5EF4-FFF2-40B4-BE49-F238E27FC236}">
-                <a16:creationId xmlns:a16="http://schemas.microsoft.com/office/drawing/2014/main" id="{38FECEB9-545A-8D99-6244-6CCCEEA69FC2}"/>
+                <a16:creationId xmlns:a16="http://schemas.microsoft.com/office/drawing/2014/main" id="{A25050AE-0584-8818-7BBA-4EE9ED9D47D5}"/>
               </a:ext>
             </a:extLst>
           </p:cNvPr>
@@ -1987,7 +1987,7 @@
           <p:cNvPr id="5" name="灯片编号占位符 4">
             <a:extLst>
               <a:ext uri="{FF2B5EF4-FFF2-40B4-BE49-F238E27FC236}">
-                <a16:creationId xmlns:a16="http://schemas.microsoft.com/office/drawing/2014/main" id="{A18B77D6-F436-209A-45BA-420ADE195A61}"/>
+                <a16:creationId xmlns:a16="http://schemas.microsoft.com/office/drawing/2014/main" id="{7F7D1D85-F8D3-7491-EBAD-944528C4AD19}"/>
               </a:ext>
             </a:extLst>
           </p:cNvPr>
@@ -2003,7 +2003,7 @@
           <a:bodyPr/>
           <a:lstStyle/>
           <a:p>
-            <a:fld id="{B6B4BDE1-C6D3-44BB-981F-E2D84F66E515}" type="slidenum">
+            <a:fld id="{72F73B65-9F17-4508-B831-2822A7C087D4}" type="slidenum">
               <a:rPr lang="zh-CN" altLang="en-US" smtClean="0"/>
               <a:t>‹#›</a:t>
             </a:fld>
@@ -2014,7 +2014,7 @@
     </p:spTree>
     <p:extLst>
       <p:ext uri="{BB962C8B-B14F-4D97-AF65-F5344CB8AC3E}">
-        <p14:creationId xmlns:p14="http://schemas.microsoft.com/office/powerpoint/2010/main" val="3550846724"/>
+        <p14:creationId xmlns:p14="http://schemas.microsoft.com/office/powerpoint/2010/main" val="328252110"/>
       </p:ext>
     </p:extLst>
   </p:cSld>
@@ -2046,7 +2046,7 @@
           <p:cNvPr id="2" name="日期占位符 1">
             <a:extLst>
               <a:ext uri="{FF2B5EF4-FFF2-40B4-BE49-F238E27FC236}">
-                <a16:creationId xmlns:a16="http://schemas.microsoft.com/office/drawing/2014/main" id="{68D8F1D3-952B-A2CB-131C-0D7098E60078}"/>
+                <a16:creationId xmlns:a16="http://schemas.microsoft.com/office/drawing/2014/main" id="{2C355853-E0D9-B81D-96D3-C49C1A0FA331}"/>
               </a:ext>
             </a:extLst>
           </p:cNvPr>
@@ -2062,7 +2062,7 @@
           <a:bodyPr/>
           <a:lstStyle/>
           <a:p>
-            <a:fld id="{CF2EC721-94AD-4342-B040-4A78456AD217}" type="datetimeFigureOut">
+            <a:fld id="{196ADBBC-D5BD-4452-9E2E-84D776495B07}" type="datetimeFigureOut">
               <a:rPr lang="zh-CN" altLang="en-US" smtClean="0"/>
               <a:t>2024/3/10</a:t>
             </a:fld>
@@ -2075,7 +2075,7 @@
           <p:cNvPr id="3" name="页脚占位符 2">
             <a:extLst>
               <a:ext uri="{FF2B5EF4-FFF2-40B4-BE49-F238E27FC236}">
-                <a16:creationId xmlns:a16="http://schemas.microsoft.com/office/drawing/2014/main" id="{55CE252F-6FCE-8A21-2DC1-450B88875985}"/>
+                <a16:creationId xmlns:a16="http://schemas.microsoft.com/office/drawing/2014/main" id="{A358AEF0-68D9-254C-ED1C-9A5731CCFBA4}"/>
               </a:ext>
             </a:extLst>
           </p:cNvPr>
@@ -2100,7 +2100,7 @@
           <p:cNvPr id="4" name="灯片编号占位符 3">
             <a:extLst>
               <a:ext uri="{FF2B5EF4-FFF2-40B4-BE49-F238E27FC236}">
-                <a16:creationId xmlns:a16="http://schemas.microsoft.com/office/drawing/2014/main" id="{A59E577F-F072-68B8-85E3-914B314C66D3}"/>
+                <a16:creationId xmlns:a16="http://schemas.microsoft.com/office/drawing/2014/main" id="{87C46232-22B2-7B80-AE89-D902BC353E71}"/>
               </a:ext>
             </a:extLst>
           </p:cNvPr>
@@ -2116,7 +2116,7 @@
           <a:bodyPr/>
           <a:lstStyle/>
           <a:p>
-            <a:fld id="{B6B4BDE1-C6D3-44BB-981F-E2D84F66E515}" type="slidenum">
+            <a:fld id="{72F73B65-9F17-4508-B831-2822A7C087D4}" type="slidenum">
               <a:rPr lang="zh-CN" altLang="en-US" smtClean="0"/>
               <a:t>‹#›</a:t>
             </a:fld>
@@ -2127,7 +2127,7 @@
     </p:spTree>
     <p:extLst>
       <p:ext uri="{BB962C8B-B14F-4D97-AF65-F5344CB8AC3E}">
-        <p14:creationId xmlns:p14="http://schemas.microsoft.com/office/powerpoint/2010/main" val="2589021683"/>
+        <p14:creationId xmlns:p14="http://schemas.microsoft.com/office/powerpoint/2010/main" val="3327565173"/>
       </p:ext>
     </p:extLst>
   </p:cSld>
@@ -2159,7 +2159,7 @@
           <p:cNvPr id="2" name="标题 1">
             <a:extLst>
               <a:ext uri="{FF2B5EF4-FFF2-40B4-BE49-F238E27FC236}">
-                <a16:creationId xmlns:a16="http://schemas.microsoft.com/office/drawing/2014/main" id="{05139E84-4EEA-2C7A-5472-F94FD808A5E8}"/>
+                <a16:creationId xmlns:a16="http://schemas.microsoft.com/office/drawing/2014/main" id="{8A2B4DB3-4451-28E2-2083-A561BA24D3B8}"/>
               </a:ext>
             </a:extLst>
           </p:cNvPr>
@@ -2196,7 +2196,7 @@
           <p:cNvPr id="3" name="内容占位符 2">
             <a:extLst>
               <a:ext uri="{FF2B5EF4-FFF2-40B4-BE49-F238E27FC236}">
-                <a16:creationId xmlns:a16="http://schemas.microsoft.com/office/drawing/2014/main" id="{8CE90C3A-9AEA-0A23-7195-2021952C9BAD}"/>
+                <a16:creationId xmlns:a16="http://schemas.microsoft.com/office/drawing/2014/main" id="{8358AFC6-A175-092C-3C2D-3BE619D6DC64}"/>
               </a:ext>
             </a:extLst>
           </p:cNvPr>
@@ -2286,7 +2286,7 @@
           <p:cNvPr id="4" name="文本占位符 3">
             <a:extLst>
               <a:ext uri="{FF2B5EF4-FFF2-40B4-BE49-F238E27FC236}">
-                <a16:creationId xmlns:a16="http://schemas.microsoft.com/office/drawing/2014/main" id="{71DBBFD7-8810-2358-A458-669B60980FCE}"/>
+                <a16:creationId xmlns:a16="http://schemas.microsoft.com/office/drawing/2014/main" id="{ADDBE932-492A-7DD8-070A-7237332E0DDD}"/>
               </a:ext>
             </a:extLst>
           </p:cNvPr>
@@ -2357,7 +2357,7 @@
           <p:cNvPr id="5" name="日期占位符 4">
             <a:extLst>
               <a:ext uri="{FF2B5EF4-FFF2-40B4-BE49-F238E27FC236}">
-                <a16:creationId xmlns:a16="http://schemas.microsoft.com/office/drawing/2014/main" id="{DBFF6025-EADB-E658-95FE-C33C0D7ABC09}"/>
+                <a16:creationId xmlns:a16="http://schemas.microsoft.com/office/drawing/2014/main" id="{336AA536-66B8-C3AE-54B2-A7D7F1099C5C}"/>
               </a:ext>
             </a:extLst>
           </p:cNvPr>
@@ -2373,7 +2373,7 @@
           <a:bodyPr/>
           <a:lstStyle/>
           <a:p>
-            <a:fld id="{CF2EC721-94AD-4342-B040-4A78456AD217}" type="datetimeFigureOut">
+            <a:fld id="{196ADBBC-D5BD-4452-9E2E-84D776495B07}" type="datetimeFigureOut">
               <a:rPr lang="zh-CN" altLang="en-US" smtClean="0"/>
               <a:t>2024/3/10</a:t>
             </a:fld>
@@ -2386,7 +2386,7 @@
           <p:cNvPr id="6" name="页脚占位符 5">
             <a:extLst>
               <a:ext uri="{FF2B5EF4-FFF2-40B4-BE49-F238E27FC236}">
-                <a16:creationId xmlns:a16="http://schemas.microsoft.com/office/drawing/2014/main" id="{F93CD421-7212-180B-3052-B10CC856B87B}"/>
+                <a16:creationId xmlns:a16="http://schemas.microsoft.com/office/drawing/2014/main" id="{E6230739-2DE0-F4D8-465B-9C780A7299BD}"/>
               </a:ext>
             </a:extLst>
           </p:cNvPr>
@@ -2411,7 +2411,7 @@
           <p:cNvPr id="7" name="灯片编号占位符 6">
             <a:extLst>
               <a:ext uri="{FF2B5EF4-FFF2-40B4-BE49-F238E27FC236}">
-                <a16:creationId xmlns:a16="http://schemas.microsoft.com/office/drawing/2014/main" id="{AFD18F35-742B-E021-792C-FF07D89E435E}"/>
+                <a16:creationId xmlns:a16="http://schemas.microsoft.com/office/drawing/2014/main" id="{54DD6B16-1C43-1CB3-CB64-FB9D63F82876}"/>
               </a:ext>
             </a:extLst>
           </p:cNvPr>
@@ -2427,7 +2427,7 @@
           <a:bodyPr/>
           <a:lstStyle/>
           <a:p>
-            <a:fld id="{B6B4BDE1-C6D3-44BB-981F-E2D84F66E515}" type="slidenum">
+            <a:fld id="{72F73B65-9F17-4508-B831-2822A7C087D4}" type="slidenum">
               <a:rPr lang="zh-CN" altLang="en-US" smtClean="0"/>
               <a:t>‹#›</a:t>
             </a:fld>
@@ -2438,7 +2438,7 @@
     </p:spTree>
     <p:extLst>
       <p:ext uri="{BB962C8B-B14F-4D97-AF65-F5344CB8AC3E}">
-        <p14:creationId xmlns:p14="http://schemas.microsoft.com/office/powerpoint/2010/main" val="2745154073"/>
+        <p14:creationId xmlns:p14="http://schemas.microsoft.com/office/powerpoint/2010/main" val="2378254030"/>
       </p:ext>
     </p:extLst>
   </p:cSld>
@@ -2470,7 +2470,7 @@
           <p:cNvPr id="2" name="标题 1">
             <a:extLst>
               <a:ext uri="{FF2B5EF4-FFF2-40B4-BE49-F238E27FC236}">
-                <a16:creationId xmlns:a16="http://schemas.microsoft.com/office/drawing/2014/main" id="{E3DF963D-AB02-E837-6EAB-903E606884AC}"/>
+                <a16:creationId xmlns:a16="http://schemas.microsoft.com/office/drawing/2014/main" id="{9ECAB2C0-FF6E-5794-9D3C-6AD52AFDA3C3}"/>
               </a:ext>
             </a:extLst>
           </p:cNvPr>
@@ -2507,7 +2507,7 @@
           <p:cNvPr id="3" name="图片占位符 2">
             <a:extLst>
               <a:ext uri="{FF2B5EF4-FFF2-40B4-BE49-F238E27FC236}">
-                <a16:creationId xmlns:a16="http://schemas.microsoft.com/office/drawing/2014/main" id="{11AA3287-8795-C825-57CD-19DE9B612D24}"/>
+                <a16:creationId xmlns:a16="http://schemas.microsoft.com/office/drawing/2014/main" id="{4D1F97F5-4A0B-90A6-9E22-93FE4617E905}"/>
               </a:ext>
             </a:extLst>
           </p:cNvPr>
@@ -2574,7 +2574,7 @@
           <p:cNvPr id="4" name="文本占位符 3">
             <a:extLst>
               <a:ext uri="{FF2B5EF4-FFF2-40B4-BE49-F238E27FC236}">
-                <a16:creationId xmlns:a16="http://schemas.microsoft.com/office/drawing/2014/main" id="{136A8505-2394-0508-445C-AB2C5516C305}"/>
+                <a16:creationId xmlns:a16="http://schemas.microsoft.com/office/drawing/2014/main" id="{8F25C726-A439-BEA2-1960-35658C31E7BC}"/>
               </a:ext>
             </a:extLst>
           </p:cNvPr>
@@ -2645,7 +2645,7 @@
           <p:cNvPr id="5" name="日期占位符 4">
             <a:extLst>
               <a:ext uri="{FF2B5EF4-FFF2-40B4-BE49-F238E27FC236}">
-                <a16:creationId xmlns:a16="http://schemas.microsoft.com/office/drawing/2014/main" id="{A06B2491-68CE-F16C-C573-F2F6BE660DC4}"/>
+                <a16:creationId xmlns:a16="http://schemas.microsoft.com/office/drawing/2014/main" id="{8566768C-9C1B-7ECF-925B-2BF24AD69754}"/>
               </a:ext>
             </a:extLst>
           </p:cNvPr>
@@ -2661,7 +2661,7 @@
           <a:bodyPr/>
           <a:lstStyle/>
           <a:p>
-            <a:fld id="{CF2EC721-94AD-4342-B040-4A78456AD217}" type="datetimeFigureOut">
+            <a:fld id="{196ADBBC-D5BD-4452-9E2E-84D776495B07}" type="datetimeFigureOut">
               <a:rPr lang="zh-CN" altLang="en-US" smtClean="0"/>
               <a:t>2024/3/10</a:t>
             </a:fld>
@@ -2674,7 +2674,7 @@
           <p:cNvPr id="6" name="页脚占位符 5">
             <a:extLst>
               <a:ext uri="{FF2B5EF4-FFF2-40B4-BE49-F238E27FC236}">
-                <a16:creationId xmlns:a16="http://schemas.microsoft.com/office/drawing/2014/main" id="{DA3269D4-BAC2-BA82-0FE7-05E77E12870E}"/>
+                <a16:creationId xmlns:a16="http://schemas.microsoft.com/office/drawing/2014/main" id="{F9436B13-CDBD-03CE-EECC-0286D8CE154E}"/>
               </a:ext>
             </a:extLst>
           </p:cNvPr>
@@ -2699,7 +2699,7 @@
           <p:cNvPr id="7" name="灯片编号占位符 6">
             <a:extLst>
               <a:ext uri="{FF2B5EF4-FFF2-40B4-BE49-F238E27FC236}">
-                <a16:creationId xmlns:a16="http://schemas.microsoft.com/office/drawing/2014/main" id="{1125250E-90A1-2258-4ECF-F7AC3F6C347B}"/>
+                <a16:creationId xmlns:a16="http://schemas.microsoft.com/office/drawing/2014/main" id="{D21190F1-B5E5-C13B-54EA-431927A9B423}"/>
               </a:ext>
             </a:extLst>
           </p:cNvPr>
@@ -2715,7 +2715,7 @@
           <a:bodyPr/>
           <a:lstStyle/>
           <a:p>
-            <a:fld id="{B6B4BDE1-C6D3-44BB-981F-E2D84F66E515}" type="slidenum">
+            <a:fld id="{72F73B65-9F17-4508-B831-2822A7C087D4}" type="slidenum">
               <a:rPr lang="zh-CN" altLang="en-US" smtClean="0"/>
               <a:t>‹#›</a:t>
             </a:fld>
@@ -2726,7 +2726,7 @@
     </p:spTree>
     <p:extLst>
       <p:ext uri="{BB962C8B-B14F-4D97-AF65-F5344CB8AC3E}">
-        <p14:creationId xmlns:p14="http://schemas.microsoft.com/office/powerpoint/2010/main" val="3537754197"/>
+        <p14:creationId xmlns:p14="http://schemas.microsoft.com/office/powerpoint/2010/main" val="1316650651"/>
       </p:ext>
     </p:extLst>
   </p:cSld>
@@ -2763,7 +2763,7 @@
           <p:cNvPr id="2" name="标题占位符 1">
             <a:extLst>
               <a:ext uri="{FF2B5EF4-FFF2-40B4-BE49-F238E27FC236}">
-                <a16:creationId xmlns:a16="http://schemas.microsoft.com/office/drawing/2014/main" id="{013DA11C-634C-F8D2-03CB-73319702C2B8}"/>
+                <a16:creationId xmlns:a16="http://schemas.microsoft.com/office/drawing/2014/main" id="{E78D176C-F6DB-6B29-C466-995004B78FC1}"/>
               </a:ext>
             </a:extLst>
           </p:cNvPr>
@@ -2801,7 +2801,7 @@
           <p:cNvPr id="3" name="文本占位符 2">
             <a:extLst>
               <a:ext uri="{FF2B5EF4-FFF2-40B4-BE49-F238E27FC236}">
-                <a16:creationId xmlns:a16="http://schemas.microsoft.com/office/drawing/2014/main" id="{8F3FDE59-6C1E-75B3-4D01-8D14F4869DA6}"/>
+                <a16:creationId xmlns:a16="http://schemas.microsoft.com/office/drawing/2014/main" id="{1E244504-5B58-19D7-499F-EBFB44874DAB}"/>
               </a:ext>
             </a:extLst>
           </p:cNvPr>
@@ -2868,7 +2868,7 @@
           <p:cNvPr id="4" name="日期占位符 3">
             <a:extLst>
               <a:ext uri="{FF2B5EF4-FFF2-40B4-BE49-F238E27FC236}">
-                <a16:creationId xmlns:a16="http://schemas.microsoft.com/office/drawing/2014/main" id="{ABAFA50D-67E1-9F57-7183-F55F0693655F}"/>
+                <a16:creationId xmlns:a16="http://schemas.microsoft.com/office/drawing/2014/main" id="{DD43E961-E63D-9E96-8C9B-D9D0B877A119}"/>
               </a:ext>
             </a:extLst>
           </p:cNvPr>
@@ -2902,7 +2902,7 @@
             </a:lvl1pPr>
           </a:lstStyle>
           <a:p>
-            <a:fld id="{CF2EC721-94AD-4342-B040-4A78456AD217}" type="datetimeFigureOut">
+            <a:fld id="{196ADBBC-D5BD-4452-9E2E-84D776495B07}" type="datetimeFigureOut">
               <a:rPr lang="zh-CN" altLang="en-US" smtClean="0"/>
               <a:t>2024/3/10</a:t>
             </a:fld>
@@ -2915,7 +2915,7 @@
           <p:cNvPr id="5" name="页脚占位符 4">
             <a:extLst>
               <a:ext uri="{FF2B5EF4-FFF2-40B4-BE49-F238E27FC236}">
-                <a16:creationId xmlns:a16="http://schemas.microsoft.com/office/drawing/2014/main" id="{4CA0396F-AE11-9A0C-26CD-E678132FBDE5}"/>
+                <a16:creationId xmlns:a16="http://schemas.microsoft.com/office/drawing/2014/main" id="{39D297A9-73DF-C47B-A997-AD3D387CB17B}"/>
               </a:ext>
             </a:extLst>
           </p:cNvPr>
@@ -2958,7 +2958,7 @@
           <p:cNvPr id="6" name="灯片编号占位符 5">
             <a:extLst>
               <a:ext uri="{FF2B5EF4-FFF2-40B4-BE49-F238E27FC236}">
-                <a16:creationId xmlns:a16="http://schemas.microsoft.com/office/drawing/2014/main" id="{8E18B08A-9FA1-9146-38F4-66230D954E56}"/>
+                <a16:creationId xmlns:a16="http://schemas.microsoft.com/office/drawing/2014/main" id="{98CAE092-7494-D71D-3AA3-16096DFEE8DC}"/>
               </a:ext>
             </a:extLst>
           </p:cNvPr>
@@ -2992,7 +2992,7 @@
             </a:lvl1pPr>
           </a:lstStyle>
           <a:p>
-            <a:fld id="{B6B4BDE1-C6D3-44BB-981F-E2D84F66E515}" type="slidenum">
+            <a:fld id="{72F73B65-9F17-4508-B831-2822A7C087D4}" type="slidenum">
               <a:rPr lang="zh-CN" altLang="en-US" smtClean="0"/>
               <a:t>‹#›</a:t>
             </a:fld>
@@ -3003,7 +3003,7 @@
     </p:spTree>
     <p:extLst>
       <p:ext uri="{BB962C8B-B14F-4D97-AF65-F5344CB8AC3E}">
-        <p14:creationId xmlns:p14="http://schemas.microsoft.com/office/powerpoint/2010/main" val="4332291"/>
+        <p14:creationId xmlns:p14="http://schemas.microsoft.com/office/powerpoint/2010/main" val="490971221"/>
       </p:ext>
     </p:extLst>
   </p:cSld>
@@ -3323,7 +3323,7 @@
       </p:grpSpPr>
       <p:pic>
         <p:nvPicPr>
-          <p:cNvPr id="1584130" name="Picture 2" descr="1546"/>
+          <p:cNvPr id="1585154" name="Picture 2" descr="1547"/>
           <p:cNvPicPr>
             <a:picLocks noChangeAspect="1" noChangeArrowheads="1"/>
           </p:cNvPicPr>
@@ -3344,8 +3344,8 @@
         </p:blipFill>
         <p:spPr bwMode="auto">
           <a:xfrm>
-            <a:off x="1524000" y="0"/>
-            <a:ext cx="9124950" cy="5791200"/>
+            <a:off x="1543050" y="14288"/>
+            <a:ext cx="9124950" cy="6843712"/>
           </a:xfrm>
           <a:prstGeom prst="rect">
             <a:avLst/>
@@ -3375,158 +3375,11 @@
           </a:extLst>
         </p:spPr>
       </p:pic>
-      <p:pic>
-        <p:nvPicPr>
-          <p:cNvPr id="1585155" name="Picture 3" descr="1546-2"/>
-          <p:cNvPicPr>
-            <a:picLocks noChangeAspect="1" noChangeArrowheads="1"/>
-          </p:cNvPicPr>
-          <p:nvPr/>
-        </p:nvPicPr>
-        <p:blipFill>
-          <a:blip r:embed="rId3">
-            <a:extLst>
-              <a:ext uri="{28A0092B-C50C-407E-A947-70E740481C1C}">
-                <a14:useLocalDpi xmlns:a14="http://schemas.microsoft.com/office/drawing/2010/main" val="0"/>
-              </a:ext>
-            </a:extLst>
-          </a:blip>
-          <a:srcRect/>
-          <a:stretch>
-            <a:fillRect/>
-          </a:stretch>
-        </p:blipFill>
-        <p:spPr bwMode="auto">
-          <a:xfrm>
-            <a:off x="1560513" y="1"/>
-            <a:ext cx="9124950" cy="6094413"/>
-          </a:xfrm>
-          <a:prstGeom prst="rect">
-            <a:avLst/>
-          </a:prstGeom>
-          <a:noFill/>
-          <a:ln>
-            <a:noFill/>
-          </a:ln>
-          <a:effectLst/>
-          <a:extLst>
-            <a:ext uri="{909E8E84-426E-40DD-AFC4-6F175D3DCCD1}">
-              <a14:hiddenFill xmlns:a14="http://schemas.microsoft.com/office/drawing/2010/main">
-                <a:solidFill>
-                  <a:srgbClr val="FFFFFF"/>
-                </a:solidFill>
-              </a14:hiddenFill>
-            </a:ext>
-            <a:ext uri="{91240B29-F687-4F45-9708-019B960494DF}">
-              <a14:hiddenLine xmlns:a14="http://schemas.microsoft.com/office/drawing/2010/main" w="9525">
-                <a:solidFill>
-                  <a:srgbClr val="000000"/>
-                </a:solidFill>
-                <a:miter lim="800000"/>
-                <a:headEnd/>
-                <a:tailEnd/>
-              </a14:hiddenLine>
-            </a:ext>
-            <a:ext uri="{AF507438-7753-43E0-B8FC-AC1667EBCBE1}">
-              <a14:hiddenEffects xmlns:a14="http://schemas.microsoft.com/office/drawing/2010/main">
-                <a:effectLst>
-                  <a:outerShdw dist="35921" dir="2700000" algn="ctr" rotWithShape="0">
-                    <a:srgbClr val="808080"/>
-                  </a:outerShdw>
-                </a:effectLst>
-              </a14:hiddenEffects>
-            </a:ext>
-          </a:extLst>
-        </p:spPr>
-      </p:pic>
     </p:spTree>
   </p:cSld>
   <p:clrMapOvr>
     <a:masterClrMapping/>
   </p:clrMapOvr>
-  <p:timing>
-    <p:tnLst>
-      <p:par>
-        <p:cTn id="1" dur="indefinite" restart="never" nodeType="tmRoot">
-          <p:childTnLst>
-            <p:seq concurrent="1" nextAc="seek">
-              <p:cTn id="2" dur="indefinite" nodeType="mainSeq">
-                <p:childTnLst>
-                  <p:par>
-                    <p:cTn id="3" fill="hold" nodeType="clickPar">
-                      <p:stCondLst>
-                        <p:cond delay="indefinite"/>
-                      </p:stCondLst>
-                      <p:childTnLst>
-                        <p:par>
-                          <p:cTn id="4" fill="hold" nodeType="withGroup">
-                            <p:stCondLst>
-                              <p:cond delay="0"/>
-                            </p:stCondLst>
-                            <p:childTnLst>
-                              <p:par>
-                                <p:cTn id="5" presetID="10" presetClass="entr" presetSubtype="0" fill="hold" nodeType="clickEffect">
-                                  <p:stCondLst>
-                                    <p:cond delay="0"/>
-                                  </p:stCondLst>
-                                  <p:childTnLst>
-                                    <p:set>
-                                      <p:cBhvr>
-                                        <p:cTn id="6" dur="1" fill="hold">
-                                          <p:stCondLst>
-                                            <p:cond delay="0"/>
-                                          </p:stCondLst>
-                                        </p:cTn>
-                                        <p:tgtEl>
-                                          <p:spTgt spid="1585155"/>
-                                        </p:tgtEl>
-                                        <p:attrNameLst>
-                                          <p:attrName>style.visibility</p:attrName>
-                                        </p:attrNameLst>
-                                      </p:cBhvr>
-                                      <p:to>
-                                        <p:strVal val="visible"/>
-                                      </p:to>
-                                    </p:set>
-                                    <p:animEffect transition="in" filter="fade">
-                                      <p:cBhvr>
-                                        <p:cTn id="7" dur="500"/>
-                                        <p:tgtEl>
-                                          <p:spTgt spid="1585155"/>
-                                        </p:tgtEl>
-                                      </p:cBhvr>
-                                    </p:animEffect>
-                                  </p:childTnLst>
-                                </p:cTn>
-                              </p:par>
-                            </p:childTnLst>
-                          </p:cTn>
-                        </p:par>
-                      </p:childTnLst>
-                    </p:cTn>
-                  </p:par>
-                </p:childTnLst>
-              </p:cTn>
-              <p:prevCondLst>
-                <p:cond evt="onPrev" delay="0">
-                  <p:tgtEl>
-                    <p:sldTgt/>
-                  </p:tgtEl>
-                </p:cond>
-              </p:prevCondLst>
-              <p:nextCondLst>
-                <p:cond evt="onNext" delay="0">
-                  <p:tgtEl>
-                    <p:sldTgt/>
-                  </p:tgtEl>
-                </p:cond>
-              </p:nextCondLst>
-            </p:seq>
-          </p:childTnLst>
-        </p:cTn>
-      </p:par>
-    </p:tnLst>
-  </p:timing>
 </p:sld>
 </file>
 
